--- a/MobileSuitDatabase/docs/画面レイアウト/モビルスーツ一覧画面.pptx
+++ b/MobileSuitDatabase/docs/画面レイアウト/モビルスーツ一覧画面.pptx
@@ -104,6 +104,11 @@
       </a:defRPr>
     </a:lvl9pPr>
   </p:defaultTextStyle>
+  <p:extLst>
+    <p:ext uri="{EFAFB233-063F-42B5-8137-9DF3F51BA10A}">
+      <p15:sldGuideLst xmlns:p15="http://schemas.microsoft.com/office/powerpoint/2012/main"/>
+    </p:ext>
+  </p:extLst>
 </p:presentation>
 </file>
 
@@ -254,7 +259,7 @@
           <a:p>
             <a:fld id="{6BB5E849-3758-4FA8-A71E-E8A1FF8850F3}" type="datetimeFigureOut">
               <a:rPr kumimoji="1" lang="ja-JP" altLang="en-US" smtClean="0"/>
-              <a:t>2022/1/25</a:t>
+              <a:t>2022/2/20</a:t>
             </a:fld>
             <a:endParaRPr kumimoji="1" lang="ja-JP" altLang="en-US"/>
           </a:p>
@@ -484,7 +489,7 @@
           <a:p>
             <a:fld id="{6BB5E849-3758-4FA8-A71E-E8A1FF8850F3}" type="datetimeFigureOut">
               <a:rPr kumimoji="1" lang="ja-JP" altLang="en-US" smtClean="0"/>
-              <a:t>2022/1/25</a:t>
+              <a:t>2022/2/20</a:t>
             </a:fld>
             <a:endParaRPr kumimoji="1" lang="ja-JP" altLang="en-US"/>
           </a:p>
@@ -724,7 +729,7 @@
           <a:p>
             <a:fld id="{6BB5E849-3758-4FA8-A71E-E8A1FF8850F3}" type="datetimeFigureOut">
               <a:rPr kumimoji="1" lang="ja-JP" altLang="en-US" smtClean="0"/>
-              <a:t>2022/1/25</a:t>
+              <a:t>2022/2/20</a:t>
             </a:fld>
             <a:endParaRPr kumimoji="1" lang="ja-JP" altLang="en-US"/>
           </a:p>
@@ -954,7 +959,7 @@
           <a:p>
             <a:fld id="{6BB5E849-3758-4FA8-A71E-E8A1FF8850F3}" type="datetimeFigureOut">
               <a:rPr kumimoji="1" lang="ja-JP" altLang="en-US" smtClean="0"/>
-              <a:t>2022/1/25</a:t>
+              <a:t>2022/2/20</a:t>
             </a:fld>
             <a:endParaRPr kumimoji="1" lang="ja-JP" altLang="en-US"/>
           </a:p>
@@ -1229,7 +1234,7 @@
           <a:p>
             <a:fld id="{6BB5E849-3758-4FA8-A71E-E8A1FF8850F3}" type="datetimeFigureOut">
               <a:rPr kumimoji="1" lang="ja-JP" altLang="en-US" smtClean="0"/>
-              <a:t>2022/1/25</a:t>
+              <a:t>2022/2/20</a:t>
             </a:fld>
             <a:endParaRPr kumimoji="1" lang="ja-JP" altLang="en-US"/>
           </a:p>
@@ -1558,7 +1563,7 @@
           <a:p>
             <a:fld id="{6BB5E849-3758-4FA8-A71E-E8A1FF8850F3}" type="datetimeFigureOut">
               <a:rPr kumimoji="1" lang="ja-JP" altLang="en-US" smtClean="0"/>
-              <a:t>2022/1/25</a:t>
+              <a:t>2022/2/20</a:t>
             </a:fld>
             <a:endParaRPr kumimoji="1" lang="ja-JP" altLang="en-US"/>
           </a:p>
@@ -2034,7 +2039,7 @@
           <a:p>
             <a:fld id="{6BB5E849-3758-4FA8-A71E-E8A1FF8850F3}" type="datetimeFigureOut">
               <a:rPr kumimoji="1" lang="ja-JP" altLang="en-US" smtClean="0"/>
-              <a:t>2022/1/25</a:t>
+              <a:t>2022/2/20</a:t>
             </a:fld>
             <a:endParaRPr kumimoji="1" lang="ja-JP" altLang="en-US"/>
           </a:p>
@@ -2175,7 +2180,7 @@
           <a:p>
             <a:fld id="{6BB5E849-3758-4FA8-A71E-E8A1FF8850F3}" type="datetimeFigureOut">
               <a:rPr kumimoji="1" lang="ja-JP" altLang="en-US" smtClean="0"/>
-              <a:t>2022/1/25</a:t>
+              <a:t>2022/2/20</a:t>
             </a:fld>
             <a:endParaRPr kumimoji="1" lang="ja-JP" altLang="en-US"/>
           </a:p>
@@ -2288,7 +2293,7 @@
           <a:p>
             <a:fld id="{6BB5E849-3758-4FA8-A71E-E8A1FF8850F3}" type="datetimeFigureOut">
               <a:rPr kumimoji="1" lang="ja-JP" altLang="en-US" smtClean="0"/>
-              <a:t>2022/1/25</a:t>
+              <a:t>2022/2/20</a:t>
             </a:fld>
             <a:endParaRPr kumimoji="1" lang="ja-JP" altLang="en-US"/>
           </a:p>
@@ -2631,7 +2636,7 @@
           <a:p>
             <a:fld id="{6BB5E849-3758-4FA8-A71E-E8A1FF8850F3}" type="datetimeFigureOut">
               <a:rPr kumimoji="1" lang="ja-JP" altLang="en-US" smtClean="0"/>
-              <a:t>2022/1/25</a:t>
+              <a:t>2022/2/20</a:t>
             </a:fld>
             <a:endParaRPr kumimoji="1" lang="ja-JP" altLang="en-US"/>
           </a:p>
@@ -2919,7 +2924,7 @@
           <a:p>
             <a:fld id="{6BB5E849-3758-4FA8-A71E-E8A1FF8850F3}" type="datetimeFigureOut">
               <a:rPr kumimoji="1" lang="ja-JP" altLang="en-US" smtClean="0"/>
-              <a:t>2022/1/25</a:t>
+              <a:t>2022/2/20</a:t>
             </a:fld>
             <a:endParaRPr kumimoji="1" lang="ja-JP" altLang="en-US"/>
           </a:p>
@@ -3192,7 +3197,7 @@
           <a:p>
             <a:fld id="{6BB5E849-3758-4FA8-A71E-E8A1FF8850F3}" type="datetimeFigureOut">
               <a:rPr kumimoji="1" lang="ja-JP" altLang="en-US" smtClean="0"/>
-              <a:t>2022/1/25</a:t>
+              <a:t>2022/2/20</a:t>
             </a:fld>
             <a:endParaRPr kumimoji="1" lang="ja-JP" altLang="en-US"/>
           </a:p>
@@ -3624,7 +3629,7 @@
           <p:nvPr>
             <p:extLst>
               <p:ext uri="{D42A27DB-BD31-4B8C-83A1-F6EECF244321}">
-                <p14:modId xmlns:p14="http://schemas.microsoft.com/office/powerpoint/2010/main" val="395497894"/>
+                <p14:modId xmlns:p14="http://schemas.microsoft.com/office/powerpoint/2010/main" val="1961457732"/>
               </p:ext>
             </p:extLst>
           </p:nvPr>
@@ -3683,11 +3688,11 @@
                     <a:lstStyle/>
                     <a:p>
                       <a:r>
-                        <a:rPr kumimoji="1" lang="ja-JP" altLang="en-US" dirty="0"/>
-                        <a:t>ユニーク</a:t>
+                        <a:rPr kumimoji="1" lang="ja-JP" altLang="en-US"/>
+                        <a:t>モビルスーツ</a:t>
                       </a:r>
                       <a:r>
-                        <a:rPr kumimoji="1" lang="en-US" altLang="ja-JP" dirty="0"/>
+                        <a:rPr kumimoji="1" lang="en-US" altLang="ja-JP"/>
                         <a:t>ID</a:t>
                       </a:r>
                       <a:endParaRPr kumimoji="1" lang="ja-JP" altLang="en-US" dirty="0"/>
